--- a/public/assets/SC/5- FC-SC/FC-SC-4104 Política de Protección.pptx
+++ b/public/assets/SC/5- FC-SC/FC-SC-4104 Política de Protección.pptx
@@ -203,7 +203,7 @@
           <a:p>
             <a:fld id="{C2CC7DF8-0F71-4354-86B4-61434162F18A}" type="datetimeFigureOut">
               <a:rPr lang="es-MX" smtClean="0"/>
-              <a:t>14/08/2020</a:t>
+              <a:t>24/01/2022</a:t>
             </a:fld>
             <a:endParaRPr lang="es-MX"/>
           </a:p>
@@ -368,7 +368,7 @@
           <a:p>
             <a:fld id="{D1608416-1C3E-4635-8290-9CCA21519444}" type="datetimeFigureOut">
               <a:rPr lang="es-MX" smtClean="0"/>
-              <a:t>14/08/2020</a:t>
+              <a:t>24/01/2022</a:t>
             </a:fld>
             <a:endParaRPr lang="es-MX"/>
           </a:p>
@@ -432,35 +432,35 @@
           <a:p>
             <a:pPr lvl="0"/>
             <a:r>
-              <a:rPr lang="es-ES" smtClean="0"/>
+              <a:rPr lang="es-ES"/>
               <a:t>Haga clic para modificar el estilo de texto del patrón</a:t>
             </a:r>
           </a:p>
           <a:p>
             <a:pPr lvl="1"/>
             <a:r>
-              <a:rPr lang="es-ES" smtClean="0"/>
+              <a:rPr lang="es-ES"/>
               <a:t>Segundo nivel</a:t>
             </a:r>
           </a:p>
           <a:p>
             <a:pPr lvl="2"/>
             <a:r>
-              <a:rPr lang="es-ES" smtClean="0"/>
+              <a:rPr lang="es-ES"/>
               <a:t>Tercer nivel</a:t>
             </a:r>
           </a:p>
           <a:p>
             <a:pPr lvl="3"/>
             <a:r>
-              <a:rPr lang="es-ES" smtClean="0"/>
+              <a:rPr lang="es-ES"/>
               <a:t>Cuarto nivel</a:t>
             </a:r>
           </a:p>
           <a:p>
             <a:pPr lvl="4"/>
             <a:r>
-              <a:rPr lang="es-ES" smtClean="0"/>
+              <a:rPr lang="es-ES"/>
               <a:t>Quinto nivel</a:t>
             </a:r>
             <a:endParaRPr lang="es-MX"/>
@@ -762,7 +762,7 @@
           </a:lstStyle>
           <a:p>
             <a:r>
-              <a:rPr lang="es-ES" smtClean="0"/>
+              <a:rPr lang="es-ES"/>
               <a:t>Haga clic para modificar el estilo de título del patrón</a:t>
             </a:r>
             <a:endParaRPr lang="es-MX"/>
@@ -827,7 +827,7 @@
           </a:lstStyle>
           <a:p>
             <a:r>
-              <a:rPr lang="es-ES" smtClean="0"/>
+              <a:rPr lang="es-ES"/>
               <a:t>Haga clic para modificar el estilo de subtítulo del patrón</a:t>
             </a:r>
             <a:endParaRPr lang="es-MX"/>
@@ -851,7 +851,7 @@
           <a:p>
             <a:fld id="{005BD863-90F7-46B4-97C8-ECF37E38BBEF}" type="datetimeFigureOut">
               <a:rPr lang="es-MX" smtClean="0"/>
-              <a:t>14/08/2020</a:t>
+              <a:t>24/01/2022</a:t>
             </a:fld>
             <a:endParaRPr lang="es-MX"/>
           </a:p>
@@ -945,7 +945,7 @@
           <a:lstStyle/>
           <a:p>
             <a:r>
-              <a:rPr lang="es-ES" smtClean="0"/>
+              <a:rPr lang="es-ES"/>
               <a:t>Haga clic para modificar el estilo de título del patrón</a:t>
             </a:r>
             <a:endParaRPr lang="es-MX"/>
@@ -969,35 +969,35 @@
           <a:p>
             <a:pPr lvl="0"/>
             <a:r>
-              <a:rPr lang="es-ES" smtClean="0"/>
+              <a:rPr lang="es-ES"/>
               <a:t>Haga clic para modificar el estilo de texto del patrón</a:t>
             </a:r>
           </a:p>
           <a:p>
             <a:pPr lvl="1"/>
             <a:r>
-              <a:rPr lang="es-ES" smtClean="0"/>
+              <a:rPr lang="es-ES"/>
               <a:t>Segundo nivel</a:t>
             </a:r>
           </a:p>
           <a:p>
             <a:pPr lvl="2"/>
             <a:r>
-              <a:rPr lang="es-ES" smtClean="0"/>
+              <a:rPr lang="es-ES"/>
               <a:t>Tercer nivel</a:t>
             </a:r>
           </a:p>
           <a:p>
             <a:pPr lvl="3"/>
             <a:r>
-              <a:rPr lang="es-ES" smtClean="0"/>
+              <a:rPr lang="es-ES"/>
               <a:t>Cuarto nivel</a:t>
             </a:r>
           </a:p>
           <a:p>
             <a:pPr lvl="4"/>
             <a:r>
-              <a:rPr lang="es-ES" smtClean="0"/>
+              <a:rPr lang="es-ES"/>
               <a:t>Quinto nivel</a:t>
             </a:r>
             <a:endParaRPr lang="es-MX"/>
@@ -1021,7 +1021,7 @@
           <a:p>
             <a:fld id="{005BD863-90F7-46B4-97C8-ECF37E38BBEF}" type="datetimeFigureOut">
               <a:rPr lang="es-MX" smtClean="0"/>
-              <a:t>14/08/2020</a:t>
+              <a:t>24/01/2022</a:t>
             </a:fld>
             <a:endParaRPr lang="es-MX"/>
           </a:p>
@@ -1120,7 +1120,7 @@
           <a:lstStyle/>
           <a:p>
             <a:r>
-              <a:rPr lang="es-ES" smtClean="0"/>
+              <a:rPr lang="es-ES"/>
               <a:t>Haga clic para modificar el estilo de título del patrón</a:t>
             </a:r>
             <a:endParaRPr lang="es-MX"/>
@@ -1149,35 +1149,35 @@
           <a:p>
             <a:pPr lvl="0"/>
             <a:r>
-              <a:rPr lang="es-ES" smtClean="0"/>
+              <a:rPr lang="es-ES"/>
               <a:t>Haga clic para modificar el estilo de texto del patrón</a:t>
             </a:r>
           </a:p>
           <a:p>
             <a:pPr lvl="1"/>
             <a:r>
-              <a:rPr lang="es-ES" smtClean="0"/>
+              <a:rPr lang="es-ES"/>
               <a:t>Segundo nivel</a:t>
             </a:r>
           </a:p>
           <a:p>
             <a:pPr lvl="2"/>
             <a:r>
-              <a:rPr lang="es-ES" smtClean="0"/>
+              <a:rPr lang="es-ES"/>
               <a:t>Tercer nivel</a:t>
             </a:r>
           </a:p>
           <a:p>
             <a:pPr lvl="3"/>
             <a:r>
-              <a:rPr lang="es-ES" smtClean="0"/>
+              <a:rPr lang="es-ES"/>
               <a:t>Cuarto nivel</a:t>
             </a:r>
           </a:p>
           <a:p>
             <a:pPr lvl="4"/>
             <a:r>
-              <a:rPr lang="es-ES" smtClean="0"/>
+              <a:rPr lang="es-ES"/>
               <a:t>Quinto nivel</a:t>
             </a:r>
             <a:endParaRPr lang="es-MX"/>
@@ -1201,7 +1201,7 @@
           <a:p>
             <a:fld id="{005BD863-90F7-46B4-97C8-ECF37E38BBEF}" type="datetimeFigureOut">
               <a:rPr lang="es-MX" smtClean="0"/>
-              <a:t>14/08/2020</a:t>
+              <a:t>24/01/2022</a:t>
             </a:fld>
             <a:endParaRPr lang="es-MX"/>
           </a:p>
@@ -1296,35 +1296,35 @@
           <a:p>
             <a:pPr lvl="0"/>
             <a:r>
-              <a:rPr lang="es-ES" smtClean="0"/>
+              <a:rPr lang="es-ES"/>
               <a:t>Haga clic para modificar el estilo de texto del patrón</a:t>
             </a:r>
           </a:p>
           <a:p>
             <a:pPr lvl="1"/>
             <a:r>
-              <a:rPr lang="es-ES" smtClean="0"/>
+              <a:rPr lang="es-ES"/>
               <a:t>Segundo nivel</a:t>
             </a:r>
           </a:p>
           <a:p>
             <a:pPr lvl="2"/>
             <a:r>
-              <a:rPr lang="es-ES" smtClean="0"/>
+              <a:rPr lang="es-ES"/>
               <a:t>Tercer nivel</a:t>
             </a:r>
           </a:p>
           <a:p>
             <a:pPr lvl="3"/>
             <a:r>
-              <a:rPr lang="es-ES" smtClean="0"/>
+              <a:rPr lang="es-ES"/>
               <a:t>Cuarto nivel</a:t>
             </a:r>
           </a:p>
           <a:p>
             <a:pPr lvl="4"/>
             <a:r>
-              <a:rPr lang="es-ES" smtClean="0"/>
+              <a:rPr lang="es-ES"/>
               <a:t>Quinto nivel</a:t>
             </a:r>
             <a:endParaRPr lang="es-MX"/>
@@ -1436,7 +1436,7 @@
           <a:p>
             <a:pPr algn="r"/>
             <a:r>
-              <a:rPr lang="es-MX" sz="2400" b="1" i="1" dirty="0" smtClean="0">
+              <a:rPr lang="es-MX" sz="2400" b="1" i="1" dirty="0">
                 <a:solidFill>
                   <a:srgbClr val="A50021"/>
                 </a:solidFill>
@@ -1444,12 +1444,6 @@
               </a:rPr>
               <a:t>Servicios para la Ciencia</a:t>
             </a:r>
-            <a:endParaRPr lang="es-MX" sz="2400" b="1" i="1" dirty="0">
-              <a:solidFill>
-                <a:srgbClr val="A50021"/>
-              </a:solidFill>
-              <a:latin typeface="+mn-lt"/>
-            </a:endParaRPr>
           </a:p>
         </p:txBody>
       </p:sp>
@@ -1508,7 +1502,7 @@
           </a:lstStyle>
           <a:p>
             <a:r>
-              <a:rPr lang="es-ES" smtClean="0"/>
+              <a:rPr lang="es-ES"/>
               <a:t>Haga clic para modificar el estilo de título del patrón</a:t>
             </a:r>
             <a:endParaRPr lang="es-MX"/>
@@ -1628,7 +1622,7 @@
           <a:p>
             <a:pPr lvl="0"/>
             <a:r>
-              <a:rPr lang="es-ES" smtClean="0"/>
+              <a:rPr lang="es-ES"/>
               <a:t>Haga clic para modificar el estilo de texto del patrón</a:t>
             </a:r>
           </a:p>
@@ -1651,7 +1645,7 @@
           <a:p>
             <a:fld id="{005BD863-90F7-46B4-97C8-ECF37E38BBEF}" type="datetimeFigureOut">
               <a:rPr lang="es-MX" smtClean="0"/>
-              <a:t>14/08/2020</a:t>
+              <a:t>24/01/2022</a:t>
             </a:fld>
             <a:endParaRPr lang="es-MX"/>
           </a:p>
@@ -1745,7 +1739,7 @@
           <a:lstStyle/>
           <a:p>
             <a:r>
-              <a:rPr lang="es-ES" smtClean="0"/>
+              <a:rPr lang="es-ES"/>
               <a:t>Haga clic para modificar el estilo de título del patrón</a:t>
             </a:r>
             <a:endParaRPr lang="es-MX"/>
@@ -1774,35 +1768,35 @@
           <a:p>
             <a:pPr lvl="0"/>
             <a:r>
-              <a:rPr lang="es-ES" smtClean="0"/>
+              <a:rPr lang="es-ES"/>
               <a:t>Haga clic para modificar el estilo de texto del patrón</a:t>
             </a:r>
           </a:p>
           <a:p>
             <a:pPr lvl="1"/>
             <a:r>
-              <a:rPr lang="es-ES" smtClean="0"/>
+              <a:rPr lang="es-ES"/>
               <a:t>Segundo nivel</a:t>
             </a:r>
           </a:p>
           <a:p>
             <a:pPr lvl="2"/>
             <a:r>
-              <a:rPr lang="es-ES" smtClean="0"/>
+              <a:rPr lang="es-ES"/>
               <a:t>Tercer nivel</a:t>
             </a:r>
           </a:p>
           <a:p>
             <a:pPr lvl="3"/>
             <a:r>
-              <a:rPr lang="es-ES" smtClean="0"/>
+              <a:rPr lang="es-ES"/>
               <a:t>Cuarto nivel</a:t>
             </a:r>
           </a:p>
           <a:p>
             <a:pPr lvl="4"/>
             <a:r>
-              <a:rPr lang="es-ES" smtClean="0"/>
+              <a:rPr lang="es-ES"/>
               <a:t>Quinto nivel</a:t>
             </a:r>
             <a:endParaRPr lang="es-MX"/>
@@ -1831,35 +1825,35 @@
           <a:p>
             <a:pPr lvl="0"/>
             <a:r>
-              <a:rPr lang="es-ES" smtClean="0"/>
+              <a:rPr lang="es-ES"/>
               <a:t>Haga clic para modificar el estilo de texto del patrón</a:t>
             </a:r>
           </a:p>
           <a:p>
             <a:pPr lvl="1"/>
             <a:r>
-              <a:rPr lang="es-ES" smtClean="0"/>
+              <a:rPr lang="es-ES"/>
               <a:t>Segundo nivel</a:t>
             </a:r>
           </a:p>
           <a:p>
             <a:pPr lvl="2"/>
             <a:r>
-              <a:rPr lang="es-ES" smtClean="0"/>
+              <a:rPr lang="es-ES"/>
               <a:t>Tercer nivel</a:t>
             </a:r>
           </a:p>
           <a:p>
             <a:pPr lvl="3"/>
             <a:r>
-              <a:rPr lang="es-ES" smtClean="0"/>
+              <a:rPr lang="es-ES"/>
               <a:t>Cuarto nivel</a:t>
             </a:r>
           </a:p>
           <a:p>
             <a:pPr lvl="4"/>
             <a:r>
-              <a:rPr lang="es-ES" smtClean="0"/>
+              <a:rPr lang="es-ES"/>
               <a:t>Quinto nivel</a:t>
             </a:r>
             <a:endParaRPr lang="es-MX"/>
@@ -1883,7 +1877,7 @@
           <a:p>
             <a:fld id="{005BD863-90F7-46B4-97C8-ECF37E38BBEF}" type="datetimeFigureOut">
               <a:rPr lang="es-MX" smtClean="0"/>
-              <a:t>14/08/2020</a:t>
+              <a:t>24/01/2022</a:t>
             </a:fld>
             <a:endParaRPr lang="es-MX"/>
           </a:p>
@@ -1982,7 +1976,7 @@
           <a:lstStyle/>
           <a:p>
             <a:r>
-              <a:rPr lang="es-ES" smtClean="0"/>
+              <a:rPr lang="es-ES"/>
               <a:t>Haga clic para modificar el estilo de título del patrón</a:t>
             </a:r>
             <a:endParaRPr lang="es-MX"/>
@@ -2048,7 +2042,7 @@
           <a:p>
             <a:pPr lvl="0"/>
             <a:r>
-              <a:rPr lang="es-ES" smtClean="0"/>
+              <a:rPr lang="es-ES"/>
               <a:t>Haga clic para modificar el estilo de texto del patrón</a:t>
             </a:r>
           </a:p>
@@ -2076,35 +2070,35 @@
           <a:p>
             <a:pPr lvl="0"/>
             <a:r>
-              <a:rPr lang="es-ES" smtClean="0"/>
+              <a:rPr lang="es-ES"/>
               <a:t>Haga clic para modificar el estilo de texto del patrón</a:t>
             </a:r>
           </a:p>
           <a:p>
             <a:pPr lvl="1"/>
             <a:r>
-              <a:rPr lang="es-ES" smtClean="0"/>
+              <a:rPr lang="es-ES"/>
               <a:t>Segundo nivel</a:t>
             </a:r>
           </a:p>
           <a:p>
             <a:pPr lvl="2"/>
             <a:r>
-              <a:rPr lang="es-ES" smtClean="0"/>
+              <a:rPr lang="es-ES"/>
               <a:t>Tercer nivel</a:t>
             </a:r>
           </a:p>
           <a:p>
             <a:pPr lvl="3"/>
             <a:r>
-              <a:rPr lang="es-ES" smtClean="0"/>
+              <a:rPr lang="es-ES"/>
               <a:t>Cuarto nivel</a:t>
             </a:r>
           </a:p>
           <a:p>
             <a:pPr lvl="4"/>
             <a:r>
-              <a:rPr lang="es-ES" smtClean="0"/>
+              <a:rPr lang="es-ES"/>
               <a:t>Quinto nivel</a:t>
             </a:r>
             <a:endParaRPr lang="es-MX"/>
@@ -2170,7 +2164,7 @@
           <a:p>
             <a:pPr lvl="0"/>
             <a:r>
-              <a:rPr lang="es-ES" smtClean="0"/>
+              <a:rPr lang="es-ES"/>
               <a:t>Haga clic para modificar el estilo de texto del patrón</a:t>
             </a:r>
           </a:p>
@@ -2198,35 +2192,35 @@
           <a:p>
             <a:pPr lvl="0"/>
             <a:r>
-              <a:rPr lang="es-ES" smtClean="0"/>
+              <a:rPr lang="es-ES"/>
               <a:t>Haga clic para modificar el estilo de texto del patrón</a:t>
             </a:r>
           </a:p>
           <a:p>
             <a:pPr lvl="1"/>
             <a:r>
-              <a:rPr lang="es-ES" smtClean="0"/>
+              <a:rPr lang="es-ES"/>
               <a:t>Segundo nivel</a:t>
             </a:r>
           </a:p>
           <a:p>
             <a:pPr lvl="2"/>
             <a:r>
-              <a:rPr lang="es-ES" smtClean="0"/>
+              <a:rPr lang="es-ES"/>
               <a:t>Tercer nivel</a:t>
             </a:r>
           </a:p>
           <a:p>
             <a:pPr lvl="3"/>
             <a:r>
-              <a:rPr lang="es-ES" smtClean="0"/>
+              <a:rPr lang="es-ES"/>
               <a:t>Cuarto nivel</a:t>
             </a:r>
           </a:p>
           <a:p>
             <a:pPr lvl="4"/>
             <a:r>
-              <a:rPr lang="es-ES" smtClean="0"/>
+              <a:rPr lang="es-ES"/>
               <a:t>Quinto nivel</a:t>
             </a:r>
             <a:endParaRPr lang="es-MX"/>
@@ -2250,7 +2244,7 @@
           <a:p>
             <a:fld id="{005BD863-90F7-46B4-97C8-ECF37E38BBEF}" type="datetimeFigureOut">
               <a:rPr lang="es-MX" smtClean="0"/>
-              <a:t>14/08/2020</a:t>
+              <a:t>24/01/2022</a:t>
             </a:fld>
             <a:endParaRPr lang="es-MX"/>
           </a:p>
@@ -2344,7 +2338,7 @@
           <a:lstStyle/>
           <a:p>
             <a:r>
-              <a:rPr lang="es-ES" smtClean="0"/>
+              <a:rPr lang="es-ES"/>
               <a:t>Haga clic para modificar el estilo de título del patrón</a:t>
             </a:r>
             <a:endParaRPr lang="es-MX"/>
@@ -2368,7 +2362,7 @@
           <a:p>
             <a:fld id="{005BD863-90F7-46B4-97C8-ECF37E38BBEF}" type="datetimeFigureOut">
               <a:rPr lang="es-MX" smtClean="0"/>
-              <a:t>14/08/2020</a:t>
+              <a:t>24/01/2022</a:t>
             </a:fld>
             <a:endParaRPr lang="es-MX"/>
           </a:p>
@@ -2463,7 +2457,7 @@
           <a:p>
             <a:fld id="{005BD863-90F7-46B4-97C8-ECF37E38BBEF}" type="datetimeFigureOut">
               <a:rPr lang="es-MX" smtClean="0"/>
-              <a:t>14/08/2020</a:t>
+              <a:t>24/01/2022</a:t>
             </a:fld>
             <a:endParaRPr lang="es-MX"/>
           </a:p>
@@ -2566,7 +2560,7 @@
           </a:lstStyle>
           <a:p>
             <a:r>
-              <a:rPr lang="es-ES" smtClean="0"/>
+              <a:rPr lang="es-ES"/>
               <a:t>Haga clic para modificar el estilo de título del patrón</a:t>
             </a:r>
             <a:endParaRPr lang="es-MX"/>
@@ -2623,35 +2617,35 @@
           <a:p>
             <a:pPr lvl="0"/>
             <a:r>
-              <a:rPr lang="es-ES" smtClean="0"/>
+              <a:rPr lang="es-ES"/>
               <a:t>Haga clic para modificar el estilo de texto del patrón</a:t>
             </a:r>
           </a:p>
           <a:p>
             <a:pPr lvl="1"/>
             <a:r>
-              <a:rPr lang="es-ES" smtClean="0"/>
+              <a:rPr lang="es-ES"/>
               <a:t>Segundo nivel</a:t>
             </a:r>
           </a:p>
           <a:p>
             <a:pPr lvl="2"/>
             <a:r>
-              <a:rPr lang="es-ES" smtClean="0"/>
+              <a:rPr lang="es-ES"/>
               <a:t>Tercer nivel</a:t>
             </a:r>
           </a:p>
           <a:p>
             <a:pPr lvl="3"/>
             <a:r>
-              <a:rPr lang="es-ES" smtClean="0"/>
+              <a:rPr lang="es-ES"/>
               <a:t>Cuarto nivel</a:t>
             </a:r>
           </a:p>
           <a:p>
             <a:pPr lvl="4"/>
             <a:r>
-              <a:rPr lang="es-ES" smtClean="0"/>
+              <a:rPr lang="es-ES"/>
               <a:t>Quinto nivel</a:t>
             </a:r>
             <a:endParaRPr lang="es-MX"/>
@@ -2717,7 +2711,7 @@
           <a:p>
             <a:pPr lvl="0"/>
             <a:r>
-              <a:rPr lang="es-ES" smtClean="0"/>
+              <a:rPr lang="es-ES"/>
               <a:t>Haga clic para modificar el estilo de texto del patrón</a:t>
             </a:r>
           </a:p>
@@ -2740,7 +2734,7 @@
           <a:p>
             <a:fld id="{005BD863-90F7-46B4-97C8-ECF37E38BBEF}" type="datetimeFigureOut">
               <a:rPr lang="es-MX" smtClean="0"/>
-              <a:t>14/08/2020</a:t>
+              <a:t>24/01/2022</a:t>
             </a:fld>
             <a:endParaRPr lang="es-MX"/>
           </a:p>
@@ -2843,7 +2837,7 @@
           </a:lstStyle>
           <a:p>
             <a:r>
-              <a:rPr lang="es-ES" smtClean="0"/>
+              <a:rPr lang="es-ES"/>
               <a:t>Haga clic para modificar el estilo de título del patrón</a:t>
             </a:r>
             <a:endParaRPr lang="es-MX"/>
@@ -2970,7 +2964,7 @@
           <a:p>
             <a:pPr lvl="0"/>
             <a:r>
-              <a:rPr lang="es-ES" smtClean="0"/>
+              <a:rPr lang="es-ES"/>
               <a:t>Haga clic para modificar el estilo de texto del patrón</a:t>
             </a:r>
           </a:p>
@@ -2993,7 +2987,7 @@
           <a:p>
             <a:fld id="{005BD863-90F7-46B4-97C8-ECF37E38BBEF}" type="datetimeFigureOut">
               <a:rPr lang="es-MX" smtClean="0"/>
-              <a:t>14/08/2020</a:t>
+              <a:t>24/01/2022</a:t>
             </a:fld>
             <a:endParaRPr lang="es-MX"/>
           </a:p>
@@ -3102,7 +3096,7 @@
           <a:lstStyle/>
           <a:p>
             <a:r>
-              <a:rPr lang="es-ES" smtClean="0"/>
+              <a:rPr lang="es-ES"/>
               <a:t>Haga clic para modificar el estilo de título del patrón</a:t>
             </a:r>
             <a:endParaRPr lang="es-MX"/>
@@ -3136,35 +3130,35 @@
           <a:p>
             <a:pPr lvl="0"/>
             <a:r>
-              <a:rPr lang="es-ES" smtClean="0"/>
+              <a:rPr lang="es-ES"/>
               <a:t>Haga clic para modificar el estilo de texto del patrón</a:t>
             </a:r>
           </a:p>
           <a:p>
             <a:pPr lvl="1"/>
             <a:r>
-              <a:rPr lang="es-ES" smtClean="0"/>
+              <a:rPr lang="es-ES"/>
               <a:t>Segundo nivel</a:t>
             </a:r>
           </a:p>
           <a:p>
             <a:pPr lvl="2"/>
             <a:r>
-              <a:rPr lang="es-ES" smtClean="0"/>
+              <a:rPr lang="es-ES"/>
               <a:t>Tercer nivel</a:t>
             </a:r>
           </a:p>
           <a:p>
             <a:pPr lvl="3"/>
             <a:r>
-              <a:rPr lang="es-ES" smtClean="0"/>
+              <a:rPr lang="es-ES"/>
               <a:t>Cuarto nivel</a:t>
             </a:r>
           </a:p>
           <a:p>
             <a:pPr lvl="4"/>
             <a:r>
-              <a:rPr lang="es-ES" smtClean="0"/>
+              <a:rPr lang="es-ES"/>
               <a:t>Quinto nivel</a:t>
             </a:r>
             <a:endParaRPr lang="es-MX"/>
@@ -3206,7 +3200,7 @@
           <a:p>
             <a:fld id="{005BD863-90F7-46B4-97C8-ECF37E38BBEF}" type="datetimeFigureOut">
               <a:rPr lang="es-MX" smtClean="0"/>
-              <a:t>14/08/2020</a:t>
+              <a:t>24/01/2022</a:t>
             </a:fld>
             <a:endParaRPr lang="es-MX"/>
           </a:p>
@@ -3806,22 +3800,14 @@
                   <a:srgbClr val="A50021"/>
                 </a:solidFill>
               </a:rPr>
-              <a:t>Política de </a:t>
-            </a:r>
-            <a:r>
-              <a:rPr lang="es-MX" sz="4000" b="1" dirty="0" smtClean="0">
-                <a:solidFill>
-                  <a:srgbClr val="A50021"/>
-                </a:solidFill>
-              </a:rPr>
-              <a:t>Protección</a:t>
+              <a:t>Política de Protección</a:t>
             </a:r>
           </a:p>
           <a:p>
             <a:pPr marL="0" indent="0" algn="ctr">
               <a:buNone/>
             </a:pPr>
-            <a:endParaRPr lang="es-MX" sz="1200" dirty="0" smtClean="0">
+            <a:endParaRPr lang="es-MX" sz="1200" dirty="0">
               <a:solidFill>
                 <a:srgbClr val="A50021"/>
               </a:solidFill>
@@ -3832,42 +3818,27 @@
               <a:buNone/>
             </a:pPr>
             <a:r>
-              <a:rPr lang="es-MX" sz="3200" dirty="0" smtClean="0"/>
-              <a:t>Cuidamos </a:t>
-            </a:r>
-            <a:r>
               <a:rPr lang="es-MX" sz="3200" dirty="0"/>
-              <a:t>la dignidad, derechos, </a:t>
-            </a:r>
-            <a:endParaRPr lang="es-MX" sz="3200" dirty="0" smtClean="0"/>
+              <a:t>Cuidamos la dignidad, derechos, </a:t>
+            </a:r>
           </a:p>
           <a:p>
             <a:pPr marL="0" indent="0" algn="ctr">
               <a:buNone/>
             </a:pPr>
             <a:r>
-              <a:rPr lang="es-MX" sz="3200" dirty="0" smtClean="0"/>
-              <a:t>seguridad </a:t>
-            </a:r>
-            <a:r>
               <a:rPr lang="es-MX" sz="3200" dirty="0"/>
-              <a:t>y bienestar </a:t>
-            </a:r>
-            <a:endParaRPr lang="es-MX" sz="3200" dirty="0" smtClean="0"/>
+              <a:t>seguridad y bienestar </a:t>
+            </a:r>
           </a:p>
           <a:p>
             <a:pPr marL="0" indent="0" algn="ctr">
               <a:buNone/>
             </a:pPr>
             <a:r>
-              <a:rPr lang="es-MX" sz="3200" dirty="0" smtClean="0"/>
-              <a:t>de </a:t>
-            </a:r>
-            <a:r>
               <a:rPr lang="es-MX" sz="3200" dirty="0"/>
-              <a:t>quienes participan en las investigaciones.</a:t>
-            </a:r>
-            <a:endParaRPr lang="es-MX" sz="3200" dirty="0"/>
+              <a:t>de quienes participan en las investigaciones.</a:t>
+            </a:r>
           </a:p>
         </p:txBody>
       </p:sp>
@@ -3881,13 +3852,6 @@
   <p:clrMapOvr>
     <a:masterClrMapping/>
   </p:clrMapOvr>
-  <p:timing>
-    <p:tnLst>
-      <p:par>
-        <p:cTn id="1" dur="indefinite" restart="never" nodeType="tmRoot"/>
-      </p:par>
-    </p:tnLst>
-  </p:timing>
 </p:sld>
 </file>
 
